--- a/Whiteboard design session/WDS trainer presentation - Migrating Oracle to Azure SQL.pptx
+++ b/Whiteboard design session/WDS trainer presentation - Migrating Oracle to Azure SQL.pptx
@@ -227,7 +227,7 @@
           <a:p>
             <a:fld id="{52A13B17-C506-4D51-BB37-16B365906619}" type="datetimeFigureOut">
               <a:rPr lang="en-US" smtClean="0"/>
-              <a:t>8/6/2020</a:t>
+              <a:t>8/30/2021</a:t>
             </a:fld>
             <a:endParaRPr lang="en-US" dirty="0"/>
           </a:p>
@@ -798,7 +798,7 @@
             </a:pPr>
             <a:r>
               <a:rPr lang="en-US" dirty="0"/>
-              <a:t>What will stop us from upgrading our data warehouse to SQL Server 2017 Enterprise?</a:t>
+              <a:t>What will stop us from upgrading our data warehouse to Azure SQL Database or SQL Server 2019 Enterprise?</a:t>
             </a:r>
           </a:p>
           <a:p>
@@ -1429,7 +1429,7 @@
                 <a:ea typeface="+mn-ea"/>
                 <a:cs typeface="+mn-cs"/>
               </a:rPr>
-              <a:t>WWI decided that SQL Server would in fact be the right choice for their platform</a:t>
+              <a:t>WWI decided that Azure SQL Database would in fact be the right choice for their platform</a:t>
             </a:r>
           </a:p>
           <a:p>
@@ -1514,7 +1514,7 @@
                 <a:ea typeface="+mn-ea"/>
                 <a:cs typeface="+mn-cs"/>
               </a:rPr>
-              <a:t>The POC should demonstrate that AlwaysOn Availability Groups will give them the reliability and performance they expected Oracle to deliver for them</a:t>
+              <a:t>The POC should demonstrate that Azure SQL Database will give them the reliability and performance they expected Oracle to deliver for them</a:t>
             </a:r>
           </a:p>
           <a:p>
@@ -1531,7 +1531,7 @@
                 <a:ea typeface="+mn-ea"/>
                 <a:cs typeface="+mn-cs"/>
               </a:rPr>
-              <a:t>They would like to migrate their data warehouse to SQL Server 2017 Enterprise</a:t>
+              <a:t>They would like to migrate their data warehouse to Azure SQL Database</a:t>
             </a:r>
           </a:p>
           <a:p>
@@ -1548,11 +1548,11 @@
                 <a:ea typeface="+mn-ea"/>
                 <a:cs typeface="+mn-cs"/>
               </a:rPr>
-              <a:t>They have decided to host SQL Server 2017 on-premises for the Oracle OLTP replacement, with a possible move to Azure in the future</a:t>
-            </a:r>
-          </a:p>
-          <a:p>
-            <a:pPr marL="171450" lvl="0" indent="-171450" rtl="0">
+              <a:t>POC should include:</a:t>
+            </a:r>
+          </a:p>
+          <a:p>
+            <a:pPr marL="628650" lvl="1" indent="-171450" rtl="0">
               <a:buFont typeface="Arial" panose="020B0604020202020204" pitchFamily="34" charset="0"/>
               <a:buChar char="•"/>
             </a:pPr>
@@ -1565,24 +1565,7 @@
                 <a:ea typeface="+mn-ea"/>
                 <a:cs typeface="+mn-cs"/>
               </a:rPr>
-              <a:t>POC should included:</a:t>
-            </a:r>
-          </a:p>
-          <a:p>
-            <a:pPr marL="628650" lvl="1" indent="-171450" rtl="0">
-              <a:buFont typeface="Arial" panose="020B0604020202020204" pitchFamily="34" charset="0"/>
-              <a:buChar char="•"/>
-            </a:pPr>
-            <a:r>
-              <a:rPr lang="en-US" sz="1200" b="0" i="0" u="none" strike="noStrike" kern="1200" baseline="0" dirty="0">
-                <a:solidFill>
-                  <a:schemeClr val="tx1"/>
-                </a:solidFill>
-                <a:latin typeface="+mn-lt"/>
-                <a:ea typeface="+mn-ea"/>
-                <a:cs typeface="+mn-cs"/>
-              </a:rPr>
-              <a:t>MVC app which changes the connectionString from Oracle to SQL Server in Entity Framework (EF)</a:t>
+              <a:t>MVC app which changes the connectionString from Oracle to Azure SQL Database in Entity Framework Core (EF Core)</a:t>
             </a:r>
           </a:p>
           <a:p>
@@ -1616,7 +1599,7 @@
                 <a:ea typeface="+mn-ea"/>
                 <a:cs typeface="+mn-cs"/>
               </a:rPr>
-              <a:t>Current Oracle database migrated to SQL Server 2017 in a test environment</a:t>
+              <a:t>Current Oracle database migrated to Azure SQL Database in a test environment</a:t>
             </a:r>
           </a:p>
           <a:p>
@@ -1684,11 +1667,11 @@
                 <a:ea typeface="+mn-ea"/>
                 <a:cs typeface="+mn-cs"/>
               </a:rPr>
-              <a:t>SQL Server Stretch Database</a:t>
-            </a:r>
-          </a:p>
-          <a:p>
-            <a:pPr marL="1085850" lvl="2" indent="-171450" rtl="0">
+              <a:t>Failover groups</a:t>
+            </a:r>
+          </a:p>
+          <a:p>
+            <a:pPr marL="628650" lvl="1" indent="-171450" rtl="0">
               <a:buFont typeface="Arial" panose="020B0604020202020204" pitchFamily="34" charset="0"/>
               <a:buChar char="•"/>
             </a:pPr>
@@ -1701,24 +1684,7 @@
                 <a:ea typeface="+mn-ea"/>
                 <a:cs typeface="+mn-cs"/>
               </a:rPr>
-              <a:t>AlwaysOn Availability groups</a:t>
-            </a:r>
-          </a:p>
-          <a:p>
-            <a:pPr marL="628650" lvl="1" indent="-171450" rtl="0">
-              <a:buFont typeface="Arial" panose="020B0604020202020204" pitchFamily="34" charset="0"/>
-              <a:buChar char="•"/>
-            </a:pPr>
-            <a:r>
-              <a:rPr lang="en-US" sz="1200" b="0" i="0" u="none" strike="noStrike" kern="1200" baseline="0" dirty="0">
-                <a:solidFill>
-                  <a:schemeClr val="tx1"/>
-                </a:solidFill>
-                <a:latin typeface="+mn-lt"/>
-                <a:ea typeface="+mn-ea"/>
-                <a:cs typeface="+mn-cs"/>
-              </a:rPr>
-              <a:t>An upgraded data warehouse, using Data Migration Assistant</a:t>
+              <a:t>An upgraded data warehouse, using Azure Database Migration Service</a:t>
             </a:r>
           </a:p>
           <a:p>
@@ -2086,7 +2052,7 @@
                 <a:ea typeface="+mn-ea"/>
                 <a:cs typeface="+mn-cs"/>
               </a:rPr>
-              <a:t>How would you recommend that WWI move their data and schema into SQL Server? What services would you suggest and what are the specific steps they would need to take to prepare the data, to transfer the data, and where would the loaded data land?</a:t>
+              <a:t>How would you recommend that WWI move their data and schema into Azure SQL Database? What services would you suggest and what are the specific steps they would need to take to prepare the data, to transfer the data, and where would the loaded data land?</a:t>
             </a:r>
           </a:p>
           <a:p>
@@ -2114,7 +2080,7 @@
                 <a:ea typeface="+mn-ea"/>
                 <a:cs typeface="+mn-cs"/>
               </a:rPr>
-              <a:t>SQL Server Migration Assistant (SSMA) was specifically created and supported by Microsoft to help Oracle customers move their schema and data over to Microsoft SQL Server</a:t>
+              <a:t>SQL Server Migration Assistant (SSMA) was specifically created and supported by Microsoft to help Oracle customers move their schema and data over to Microsoft SQL Server or Azure SQL Database</a:t>
             </a:r>
           </a:p>
           <a:p>
@@ -2145,7 +2111,7 @@
                 <a:ea typeface="+mn-ea"/>
                 <a:cs typeface="+mn-cs"/>
               </a:rPr>
-              <a:t>First you create a new project. Then you connect to the Oracle source database. Then connect to the SQL Server destination database. Map Oracle schemas to SQL Server schemas. Then you can load the Oracle schemas into the SQL Server schemas. Prior to synchronizing the objects into the SQL Server database, the SSMA for Oracle assemblies must be marked as trusted assemblies, so the synchronization can complete successfully. Once that is completed, synchronize all the objects. Lastly, you can move all the data into SQL Server.</a:t>
+              <a:t>First you create a new project. Then you connect to the Oracle source database. Then connect to the Azure SQL Database or SQL Server destination database. Map Oracle schemas to the target database. Prior to synchronizing the objects into the SQL Server database, the SSMA for Oracle assemblies must be marked as trusted assemblies, so the synchronization can complete successfully. This step is unnecessary for Azure SQL Database migrations. Once that is completed, synchronize all the objects. Lastly, you can move all the data into SQL Server or Azure SQL Database.</a:t>
             </a:r>
           </a:p>
           <a:p>
@@ -2338,7 +2304,7 @@
                 <a:ea typeface="+mn-ea"/>
                 <a:cs typeface="+mn-cs"/>
               </a:rPr>
-              <a:t>A specific product might not be needed, but you might evaluate whether they are using an ORM or not. If they are using Entity Framework, Dapper, or nHibernate, then the application should migrate much more easily.</a:t>
+              <a:t>A specific product might not be needed, but you might evaluate whether they are using an ORM or not. If they are using Entity Framework (Core), Dapper, or nHibernate, then the application should migrate much more easily.</a:t>
             </a:r>
           </a:p>
           <a:p>
@@ -2430,6 +2396,36 @@
               </a:rPr>
               <a:t>For the POC, they are looking to switch the connection string, test several pages related to an order, and get a good idea on the work that would be necessary to get that to work.</a:t>
             </a:r>
+          </a:p>
+          <a:p>
+            <a:pPr marL="171450" lvl="0" indent="-171450">
+              <a:buFont typeface="Arial" panose="020B0604020202020204" pitchFamily="34" charset="0"/>
+              <a:buChar char="•"/>
+            </a:pPr>
+            <a:r>
+              <a:rPr lang="en-US" sz="1200" kern="1200" dirty="0">
+                <a:solidFill>
+                  <a:schemeClr val="tx1"/>
+                </a:solidFill>
+                <a:effectLst/>
+                <a:latin typeface="+mn-lt"/>
+                <a:ea typeface="+mn-ea"/>
+                <a:cs typeface="+mn-cs"/>
+              </a:rPr>
+              <a:t>Use the Microsoft Data Access Migration Toolkit when migrating Java applications from Oracle to SQL Server. VS </a:t>
+            </a:r>
+            <a:r>
+              <a:rPr lang="en-US" sz="1200" kern="1200">
+                <a:solidFill>
+                  <a:schemeClr val="tx1"/>
+                </a:solidFill>
+                <a:effectLst/>
+                <a:latin typeface="+mn-lt"/>
+                <a:ea typeface="+mn-ea"/>
+                <a:cs typeface="+mn-cs"/>
+              </a:rPr>
+              <a:t>Code extension</a:t>
+            </a:r>
             <a:endParaRPr lang="en-US" dirty="0">
               <a:effectLst/>
             </a:endParaRPr>
@@ -2649,14 +2645,20 @@
                 <a:ea typeface="+mn-ea"/>
                 <a:cs typeface="+mn-cs"/>
               </a:rPr>
-              <a:t>JSON data can be stored in a varchar field in SQL Server</a:t>
-            </a:r>
-          </a:p>
-          <a:p>
-            <a:pPr marL="628650" lvl="1" indent="-171450">
-              <a:buFont typeface="Arial" panose="020B0604020202020204" pitchFamily="34" charset="0"/>
-              <a:buChar char="•"/>
-            </a:pPr>
+              <a:t>JSON data can be stored in a </a:t>
+            </a:r>
+            <a:r>
+              <a:rPr lang="en-US" sz="1200" kern="1200" dirty="0" err="1">
+                <a:solidFill>
+                  <a:schemeClr val="tx1"/>
+                </a:solidFill>
+                <a:effectLst/>
+                <a:latin typeface="+mn-lt"/>
+                <a:ea typeface="+mn-ea"/>
+                <a:cs typeface="+mn-cs"/>
+              </a:rPr>
+              <a:t>nvarchar</a:t>
+            </a:r>
             <a:r>
               <a:rPr lang="en-US" sz="1200" kern="1200" dirty="0">
                 <a:solidFill>
@@ -2667,7 +2669,25 @@
                 <a:ea typeface="+mn-ea"/>
                 <a:cs typeface="+mn-cs"/>
               </a:rPr>
-              <a:t>Managed through the JSON functions of SQL Server 2017</a:t>
+              <a:t> field in Azure SQL Database or SQL Server 2019</a:t>
+            </a:r>
+          </a:p>
+          <a:p>
+            <a:pPr marL="628650" lvl="1" indent="-171450">
+              <a:buFont typeface="Arial" panose="020B0604020202020204" pitchFamily="34" charset="0"/>
+              <a:buChar char="•"/>
+            </a:pPr>
+            <a:r>
+              <a:rPr lang="en-US" sz="1200" kern="1200" dirty="0">
+                <a:solidFill>
+                  <a:schemeClr val="tx1"/>
+                </a:solidFill>
+                <a:effectLst/>
+                <a:latin typeface="+mn-lt"/>
+                <a:ea typeface="+mn-ea"/>
+                <a:cs typeface="+mn-cs"/>
+              </a:rPr>
+              <a:t>Managed through the JSON functions of T-SQL</a:t>
             </a:r>
           </a:p>
           <a:p>
@@ -6232,7 +6252,7 @@
                   <a:prstClr val="black"/>
                 </a:solidFill>
               </a:rPr>
-              <a:t>8/6/2020 2:43 PM</a:t>
+              <a:t>8/30/2021 9:36 PM</a:t>
             </a:fld>
             <a:endParaRPr lang="en-US" dirty="0">
               <a:solidFill>
@@ -6538,7 +6558,7 @@
                 <a:latin typeface="+mn-lt"/>
                 <a:cs typeface="Segoe UI" panose="020B0502040204020203" pitchFamily="34" charset="0"/>
               </a:rPr>
-              <a:t>Investigating replacing Oracle with SQL Server</a:t>
+              <a:t>Investigating replacing Oracle with Azure SQL Database</a:t>
             </a:r>
           </a:p>
           <a:p>
@@ -6595,7 +6615,7 @@
                 <a:latin typeface="+mn-lt"/>
                 <a:cs typeface="Segoe UI" panose="020B0502040204020203" pitchFamily="34" charset="0"/>
               </a:rPr>
-              <a:t>Business stake holders have tired of the process and have requested a proof of concept on replacing Oracle with Microsoft SQL Server </a:t>
+              <a:t>Business stake holders have tired of the process and have requested a proof of concept on replacing Oracle with Azure SQL Database</a:t>
             </a:r>
           </a:p>
           <a:p>
@@ -6809,7 +6829,7 @@
                 <a:latin typeface="+mn-lt"/>
                 <a:cs typeface="Segoe UI" panose="020B0502040204020203" pitchFamily="34" charset="0"/>
               </a:rPr>
-              <a:t>The database is used by an online store application, written in ASP.NET MVC</a:t>
+              <a:t>The database is used by an online store application, written in ASP.NET Core MVC</a:t>
             </a:r>
           </a:p>
           <a:p>
@@ -7123,7 +7143,7 @@
                 <a:latin typeface="+mn-lt"/>
                 <a:cs typeface="Segoe UI" panose="020B0502040204020203" pitchFamily="34" charset="0"/>
               </a:rPr>
-              <a:t>Realizes he needs to upgrade to Enterprise Edition and would like to include an upgrade in this POC</a:t>
+              <a:t>Realizes he needs to upgrade to Azure SQL Database or SQL Server Enterprise Edition and would like to include an upgrade in this POC</a:t>
             </a:r>
           </a:p>
         </p:txBody>
@@ -7214,7 +7234,7 @@
             </a:pPr>
             <a:r>
               <a:rPr lang="en-US" dirty="0"/>
-              <a:t>Migrate an existing Oracle database to SQL Server 2017 on-premises, SQL Server 2017 in an Azure VM, or Azure SQL Database</a:t>
+              <a:t>Migrate an existing Oracle database to SQL Server 2019 on-premises, SQL Server 2019 in an Azure VM, or Azure SQL Database</a:t>
             </a:r>
           </a:p>
           <a:p>
@@ -7241,7 +7261,7 @@
             </a:pPr>
             <a:r>
               <a:rPr lang="en-US" dirty="0"/>
-              <a:t>Needs to understand what is involved in migrating the external sales application to SQL Server</a:t>
+              <a:t>Needs to understand what is involved in migrating the external sales application to Azure SQL Database or SQL Server</a:t>
             </a:r>
           </a:p>
           <a:p>
@@ -7278,7 +7298,7 @@
             </a:pPr>
             <a:r>
               <a:rPr lang="en-US" dirty="0"/>
-              <a:t>Upgrade existing data warehouse from SQL Server 2008 Standard Edition to SQL Server 2017 Enterprise Edition to take advantage of some new features:</a:t>
+              <a:t>Upgrade existing data warehouse from SQL Server 2008 Standard Edition to Azure SQL Database or SQL Server 2019 Enterprise Edition to take advantage of some new features:</a:t>
             </a:r>
           </a:p>
           <a:p>
@@ -7604,7 +7624,7 @@
             </a:pPr>
             <a:r>
               <a:rPr lang="en-US" dirty="0"/>
-              <a:t>Do we need to rewrite all of our applications for SQL Server?</a:t>
+              <a:t>Do we need to rewrite all our applications for SQL Server or Azure SQL Database?</a:t>
             </a:r>
           </a:p>
           <a:p>
@@ -7614,7 +7634,7 @@
             </a:pPr>
             <a:r>
               <a:rPr lang="en-US" dirty="0"/>
-              <a:t>Do we need to rewrite all of our reports for SQL Server? </a:t>
+              <a:t>Do we need to rewrite all our reports for SQL Server or Azure SQL Database? </a:t>
             </a:r>
           </a:p>
           <a:p>
@@ -7624,7 +7644,7 @@
             </a:pPr>
             <a:r>
               <a:rPr lang="en-US" dirty="0"/>
-              <a:t>Will our security migrate over from Oracle to SQL Server?  How do we handle security in the new database?</a:t>
+              <a:t>Will our security migrate over from Oracle?  How do we handle security in the new database?</a:t>
             </a:r>
           </a:p>
           <a:p>
@@ -21637,10 +21657,10 @@
       </p:sp>
       <p:pic>
         <p:nvPicPr>
-          <p:cNvPr id="4" name="Picture 3" descr="This solution diagram is divided in to Microsoft Azure, and On Premises. Microsoft Azure includes SQL Server 2017 in a VM as an Always On Secondary, and Azure SQL Data Warehouse for a stretch table. On Premise includes the following elements: API App for vendor connections; Web App for Internet Sales Transactions; ASP.NET Core App for inventory management; SQL Server 2017 OLTP for Always On and JSON store; SSRS 2017 for Reporting of OLTP, Data Warehouse, and Cubes; SSIS 2017 for a Data Warehouse Load; Excel for reporting; SQL Server 2017 Enterprise for a Data Warehouse; and SSAS 2017 for a Data Warehouse. " title="Preferred solution diagram">
+          <p:cNvPr id="5" name="Picture 4">
             <a:extLst>
               <a:ext uri="{FF2B5EF4-FFF2-40B4-BE49-F238E27FC236}">
-                <a16:creationId xmlns:a16="http://schemas.microsoft.com/office/drawing/2014/main" id="{AA575635-8D6F-4258-BD7A-0E428B2D346D}"/>
+                <a16:creationId xmlns:a16="http://schemas.microsoft.com/office/drawing/2014/main" id="{1B124C83-5D73-47BB-A0E3-A18C60C51FA9}"/>
               </a:ext>
             </a:extLst>
           </p:cNvPr>
@@ -21657,8 +21677,8 @@
         </p:blipFill>
         <p:spPr>
           <a:xfrm>
-            <a:off x="1372882" y="1189176"/>
-            <a:ext cx="9446236" cy="5511030"/>
+            <a:off x="1459348" y="1189176"/>
+            <a:ext cx="9273304" cy="5234141"/>
           </a:xfrm>
           <a:prstGeom prst="rect">
             <a:avLst/>
@@ -21932,28 +21952,14 @@
               <a:t>Oracle schema and data movement</a:t>
             </a:r>
           </a:p>
-          <a:p>
-            <a:pPr marL="0" indent="0">
-              <a:buNone/>
-            </a:pPr>
-            <a:r>
-              <a:rPr lang="en-US" sz="3600" dirty="0">
-                <a:solidFill>
-                  <a:schemeClr val="tx1"/>
-                </a:solidFill>
-                <a:latin typeface="+mj-lt"/>
-              </a:rPr>
-              <a:t>(on-premises)</a:t>
-            </a:r>
-          </a:p>
         </p:txBody>
       </p:sp>
       <p:pic>
         <p:nvPicPr>
-          <p:cNvPr id="4" name="Picture 3" descr="Database migration&#10;&#10;An arrow labeled SSMA for Oracle points from an Oracle database icon to a SQL Server 2017 Enterprise icon.">
+          <p:cNvPr id="5" name="Picture 4" descr="Graphical user interface, text&#10;&#10;Description automatically generated">
             <a:extLst>
               <a:ext uri="{FF2B5EF4-FFF2-40B4-BE49-F238E27FC236}">
-                <a16:creationId xmlns:a16="http://schemas.microsoft.com/office/drawing/2014/main" id="{0F371F2A-F8BF-4D85-978B-DDA622BCF6EC}"/>
+                <a16:creationId xmlns:a16="http://schemas.microsoft.com/office/drawing/2014/main" id="{156C5640-82D8-419A-9E6C-D6E60A4E2B40}"/>
               </a:ext>
             </a:extLst>
           </p:cNvPr>
@@ -21963,15 +21969,21 @@
           <p:nvPr/>
         </p:nvPicPr>
         <p:blipFill>
-          <a:blip r:embed="rId3"/>
+          <a:blip r:embed="rId3">
+            <a:extLst>
+              <a:ext uri="{28A0092B-C50C-407E-A947-70E740481C1C}">
+                <a14:useLocalDpi xmlns:a14="http://schemas.microsoft.com/office/drawing/2010/main" val="0"/>
+              </a:ext>
+            </a:extLst>
+          </a:blip>
           <a:stretch>
             <a:fillRect/>
           </a:stretch>
         </p:blipFill>
         <p:spPr>
           <a:xfrm>
-            <a:off x="1071846" y="2842914"/>
-            <a:ext cx="10048306" cy="3803470"/>
+            <a:off x="1627858" y="2135009"/>
+            <a:ext cx="8936284" cy="3749681"/>
           </a:xfrm>
           <a:prstGeom prst="rect">
             <a:avLst/>
@@ -22131,7 +22143,7 @@
                   <a:schemeClr val="tx1"/>
                 </a:solidFill>
               </a:rPr>
-              <a:t>Store, manage, and query JSON with SQL Server 2017</a:t>
+              <a:t>Store, manage, and query JSON with Azure SQL Database or SQL Server 2019</a:t>
             </a:r>
           </a:p>
         </p:txBody>
@@ -22309,7 +22321,7 @@
                 <a:latin typeface="Segoe UI Semilight" panose="020B0402040204020203" pitchFamily="34" charset="0"/>
                 <a:cs typeface="Segoe UI Semilight" panose="020B0402040204020203" pitchFamily="34" charset="0"/>
               </a:rPr>
-              <a:t>In this whiteboard design session, you work with a group to design a proof of concept (POC) for conducting a site analysis for a customer to compare cost, performance, and level of effort required to migrate from Oracle to SQL Server. You evaluate the dependent applications and reports that need to be updated and come up with a migration plan. Also, you review ways to help the customer take advantage of new SQL Server features to improve performance and resiliency, as well as explore ways to migrate from an old version of SQL Server to the latest version and consider the impact of migrating from on-premises to the cloud.</a:t>
+              <a:t>In this whiteboard design session, you work with a group to design a proof of concept (POC) for conducting a site analysis for a customer to compare cost, performance, and level of effort required to migrate from Oracle to Azure SQL Database. You evaluate the dependent applications and reports that need to be updated and come up with a migration plan. Also, you review ways to help the customer take advantage of new Azure SQL Database features to improve performance and resiliency, as well as explore ways to migrate from an old version of SQL Server to the latest version and consider the impact of migrating from on-premises to the cloud.</a:t>
             </a:r>
           </a:p>
           <a:p>
@@ -24805,7 +24817,7 @@
           <a:p>
             <a:r>
               <a:rPr lang="en-US" sz="3900" dirty="0"/>
-              <a:t>Requested POC to replace Oracle with SQL Server</a:t>
+              <a:t>Requested POC to replace Oracle with Azure SQL Database</a:t>
             </a:r>
           </a:p>
           <a:p>
@@ -25451,7 +25463,7 @@
           <a:p>
             <a:r>
               <a:rPr lang="en-US" sz="3600" dirty="0"/>
-              <a:t>Migrate from Oracle to SQL Server 2017</a:t>
+              <a:t>Migrate from Oracle to SQL Server (including Azure SQL Database)</a:t>
             </a:r>
           </a:p>
           <a:p>
@@ -25469,7 +25481,7 @@
           <a:p>
             <a:r>
               <a:rPr lang="en-US" sz="3600" dirty="0"/>
-              <a:t>Upgrade data warehouse to SQL Server 2017 Enterprise Edition</a:t>
+              <a:t>Upgrade data warehouse to Azure SQL Database or SQL Server 2019 Enterprise Edition</a:t>
             </a:r>
           </a:p>
           <a:p>

--- a/Whiteboard design session/WDS trainer presentation - Migrating Oracle to Azure SQL.pptx
+++ b/Whiteboard design session/WDS trainer presentation - Migrating Oracle to Azure SQL.pptx
@@ -227,7 +227,7 @@
           <a:p>
             <a:fld id="{52A13B17-C506-4D51-BB37-16B365906619}" type="datetimeFigureOut">
               <a:rPr lang="en-US" smtClean="0"/>
-              <a:t>8/30/2021</a:t>
+              <a:t>9/1/2021</a:t>
             </a:fld>
             <a:endParaRPr lang="en-US" dirty="0"/>
           </a:p>
@@ -3108,7 +3108,7 @@
             </a:pPr>
             <a:r>
               <a:rPr lang="en-US" sz="1200" b="0" i="0" dirty="0"/>
-              <a:t>We need to identify all the </a:t>
+              <a:t>We need to identify all the SSIS </a:t>
             </a:r>
             <a:r>
               <a:rPr lang="en-US" sz="1200" kern="1200" dirty="0">
@@ -3124,8 +3124,48 @@
             </a:r>
             <a:r>
               <a:rPr lang="en-US" sz="1200" b="0" i="0" dirty="0"/>
-              <a:t>ETL) packages that load data from Oracle to SQL Server. We will upgrade all the connection strings to load the data warehouse from the new SQL Server OLTP database to the SQL Server data warehouse. We will have to change all the data source connections to SQL Server. If collation is different, we will need to address that with data conversion tasks in the data flow.</a:t>
-            </a:r>
+              <a:t>ETL) packages that load data from Oracle to SQL Server 2008 R2. </a:t>
+            </a:r>
+            <a:r>
+              <a:rPr lang="en-US" b="0" dirty="0">
+                <a:solidFill>
+                  <a:srgbClr val="D4D4D4"/>
+                </a:solidFill>
+                <a:effectLst/>
+                <a:latin typeface="Consolas" panose="020B0609020204030204" pitchFamily="49" charset="0"/>
+              </a:rPr>
+              <a:t>Those SSIS packages will then be executed using the Azure-SSIS integration runtime in Azure Data Factory. Tools to support this deployment include SQL Server Data Tools (SSDT) and SQL Server Management Studio (SSMS). </a:t>
+            </a:r>
+          </a:p>
+          <a:p>
+            <a:pPr marL="171450" marR="0" lvl="0" indent="-171450" algn="l" defTabSz="914400" rtl="0" eaLnBrk="1" fontAlgn="auto" latinLnBrk="0" hangingPunct="1">
+              <a:lnSpc>
+                <a:spcPct val="100000"/>
+              </a:lnSpc>
+              <a:spcBef>
+                <a:spcPts val="0"/>
+              </a:spcBef>
+              <a:spcAft>
+                <a:spcPts val="0"/>
+              </a:spcAft>
+              <a:buClrTx/>
+              <a:buSzTx/>
+              <a:buFont typeface="Arial" panose="020B0604020202020204" pitchFamily="34" charset="0"/>
+              <a:buChar char="•"/>
+              <a:tabLst/>
+              <a:defRPr/>
+            </a:pPr>
+            <a:r>
+              <a:rPr lang="en-US" b="0" dirty="0">
+                <a:solidFill>
+                  <a:srgbClr val="D4D4D4"/>
+                </a:solidFill>
+                <a:effectLst/>
+                <a:latin typeface="Consolas" panose="020B0609020204030204" pitchFamily="49" charset="0"/>
+              </a:rPr>
+              <a:t>If the stakeholder does not want to migrate to a PaaS platform, it is possible to run SSIS packages on an Azure SQL VM. However, even this approach offers cost benefits for existing licenses, flexible hardware configuration (scalability), and automated backups and patching.</a:t>
+            </a:r>
+            <a:endParaRPr lang="en-US" sz="1200" b="0" i="0" dirty="0"/>
           </a:p>
           <a:p>
             <a:pPr marL="0" marR="0" lvl="0" indent="0" algn="l" defTabSz="914400" rtl="0" eaLnBrk="1" fontAlgn="auto" latinLnBrk="0" hangingPunct="1">
@@ -3167,7 +3207,7 @@
             </a:pPr>
             <a:r>
               <a:rPr lang="en-US" sz="1200" b="1" i="1" dirty="0"/>
-              <a:t>What components do we need to use to upgrade the SQL Server Data warehouse to Azure SQL Database?</a:t>
+              <a:t>What components do we need to use to upgrade the SQL Server 2008 R2 data warehouse to Azure SQL Database or SQL Server 2019 Enterprise?</a:t>
             </a:r>
           </a:p>
           <a:p>
@@ -3232,8 +3272,14 @@
               <a:defRPr/>
             </a:pPr>
             <a:r>
-              <a:rPr lang="en-US" sz="1200" b="0" i="0" dirty="0"/>
-              <a:t>SSRS, SSAS, and SSIS will need to be upgraded and redeployed. All developers who are using BI tools will need to upgrade to the latest versions of SSMS and SQL Server Data Tools (SSDT).</a:t>
+              <a:rPr lang="en-US" b="0" dirty="0">
+                <a:solidFill>
+                  <a:srgbClr val="D4D4D4"/>
+                </a:solidFill>
+                <a:effectLst/>
+                <a:latin typeface="Consolas" panose="020B0609020204030204" pitchFamily="49" charset="0"/>
+              </a:rPr>
+              <a:t>SSRS, SSAS, and SSIS must be deployed to Azure VMs or the PaaS equivalents of these products. Depending on the migration time frame and complexity of the on-premises solution, WWI can determine the appropriate option.</a:t>
             </a:r>
           </a:p>
           <a:p>
@@ -3276,7 +3322,7 @@
             </a:pPr>
             <a:r>
               <a:rPr lang="en-US" sz="1200" b="1" i="1" dirty="0"/>
-              <a:t>Identify the major milestones of delivery an upgrading to Azure SQL Database.</a:t>
+              <a:t>Identify the major milestones of delivering an upgrade to Azure SQL Database or SQL Server 2019 Enterprise.</a:t>
             </a:r>
           </a:p>
           <a:p>
@@ -3817,26 +3863,19 @@
             <a:endParaRPr lang="en-US" sz="1200" b="1" i="1" dirty="0"/>
           </a:p>
           <a:p>
-            <a:pPr marL="171450" marR="0" lvl="0" indent="-171450" algn="l" defTabSz="914400" rtl="0" eaLnBrk="1" fontAlgn="auto" latinLnBrk="0" hangingPunct="1">
-              <a:lnSpc>
-                <a:spcPct val="100000"/>
-              </a:lnSpc>
-              <a:spcBef>
-                <a:spcPts val="0"/>
-              </a:spcBef>
-              <a:spcAft>
-                <a:spcPts val="0"/>
-              </a:spcAft>
-              <a:buClrTx/>
-              <a:buSzTx/>
+            <a:pPr marL="171450" indent="-171450">
               <a:buFont typeface="Arial" panose="020B0604020202020204" pitchFamily="34" charset="0"/>
               <a:buChar char="•"/>
-              <a:tabLst/>
-              <a:defRPr/>
-            </a:pPr>
-            <a:r>
-              <a:rPr lang="en-US" sz="1200" b="0" i="0" dirty="0"/>
-              <a:t>The Data Migration Assistant report, which is exported to a CSV file, should be reviewed for post-migration tasks identified by Data Migration Assistant</a:t>
+            </a:pPr>
+            <a:r>
+              <a:rPr lang="en-US" b="0" dirty="0">
+                <a:solidFill>
+                  <a:srgbClr val="D4D4D4"/>
+                </a:solidFill>
+                <a:effectLst/>
+                <a:latin typeface="Consolas" panose="020B0609020204030204" pitchFamily="49" charset="0"/>
+              </a:rPr>
+              <a:t>The Data Migration Assistant, used in homogenous SQL Server to Azure SQL Database migrations, generates a report which is exported to a CSV file. It should be reviewed for post-migration tasks identified by the Data Migration Assistant</a:t>
             </a:r>
           </a:p>
           <a:p>
@@ -4217,6 +4256,36 @@
             </a:r>
           </a:p>
           <a:p>
+            <a:pPr marL="171450" marR="0" lvl="0" indent="-171450" algn="l" defTabSz="914400" rtl="0" eaLnBrk="1" fontAlgn="auto" latinLnBrk="0" hangingPunct="1">
+              <a:lnSpc>
+                <a:spcPct val="100000"/>
+              </a:lnSpc>
+              <a:spcBef>
+                <a:spcPts val="0"/>
+              </a:spcBef>
+              <a:spcAft>
+                <a:spcPts val="0"/>
+              </a:spcAft>
+              <a:buClrTx/>
+              <a:buSzTx/>
+              <a:buFont typeface="Arial" panose="020B0604020202020204" pitchFamily="34" charset="0"/>
+              <a:buChar char="•"/>
+              <a:tabLst/>
+              <a:defRPr/>
+            </a:pPr>
+            <a:r>
+              <a:rPr lang="en-US" b="0" dirty="0">
+                <a:solidFill>
+                  <a:srgbClr val="D4D4D4"/>
+                </a:solidFill>
+                <a:effectLst/>
+                <a:latin typeface="Consolas" panose="020B0609020204030204" pitchFamily="49" charset="0"/>
+              </a:rPr>
+              <a:t>With Azure SQL Database, as it is a PaaS offering, scaling compute and storage with minimal downtime is simple. However, it is not automatic. Microsoft provides scripts to automate this process</a:t>
+            </a:r>
+            <a:endParaRPr lang="en-US" sz="1200" b="0" i="0" dirty="0"/>
+          </a:p>
+          <a:p>
             <a:pPr marL="0" marR="0" lvl="0" indent="0" algn="l" defTabSz="914400" rtl="0" eaLnBrk="1" fontAlgn="auto" latinLnBrk="0" hangingPunct="1">
               <a:lnSpc>
                 <a:spcPct val="100000"/>
@@ -4415,6 +4484,45 @@
             <a:r>
               <a:rPr lang="en-US" sz="1200" b="0" i="0" dirty="0"/>
               <a:t>Scalable shared databases</a:t>
+            </a:r>
+          </a:p>
+          <a:p>
+            <a:pPr marL="171450" marR="0" lvl="0" indent="-171450" algn="l" defTabSz="914400" rtl="0" eaLnBrk="1" fontAlgn="auto" latinLnBrk="0" hangingPunct="1">
+              <a:lnSpc>
+                <a:spcPct val="100000"/>
+              </a:lnSpc>
+              <a:spcBef>
+                <a:spcPts val="0"/>
+              </a:spcBef>
+              <a:spcAft>
+                <a:spcPts val="0"/>
+              </a:spcAft>
+              <a:buClrTx/>
+              <a:buSzTx/>
+              <a:buFont typeface="Arial" panose="020B0604020202020204" pitchFamily="34" charset="0"/>
+              <a:buChar char="•"/>
+              <a:tabLst/>
+              <a:defRPr/>
+            </a:pPr>
+            <a:r>
+              <a:rPr lang="en-US" sz="1200" b="0" i="0" dirty="0"/>
+              <a:t>With Azure SQL Database, it is easy to incorporate </a:t>
+            </a:r>
+            <a:r>
+              <a:rPr lang="en-US" sz="1200" b="0" i="1" dirty="0"/>
+              <a:t>failover groups </a:t>
+            </a:r>
+            <a:r>
+              <a:rPr lang="en-US" sz="1200" b="0" i="0" dirty="0"/>
+              <a:t>into your solution. </a:t>
+            </a:r>
+            <a:r>
+              <a:rPr lang="en-US" sz="1200" b="0" i="1" dirty="0"/>
+              <a:t>Failover groups </a:t>
+            </a:r>
+            <a:r>
+              <a:rPr lang="en-US" sz="1200" b="0" i="0" dirty="0"/>
+              <a:t>implement geo-replication and promote secondary servers in the case of regional outage</a:t>
             </a:r>
           </a:p>
         </p:txBody>
@@ -4717,7 +4825,7 @@
               <a:rPr lang="en-US" dirty="0">
                 <a:effectLst/>
               </a:rPr>
-              <a:t>In addition, they would gain the benefit of simplifying future software upgrades so the current investment in new hardware was necessary. Some of their products would upgrade and offer new features with minimal effort on their part.</a:t>
+              <a:t>In addition, they would gain the benefit of simplifying future software upgrades. Some of their products would upgrade and offer new features with minimal effort on their part.</a:t>
             </a:r>
           </a:p>
           <a:p>
@@ -5080,7 +5188,7 @@
             </a:pPr>
             <a:r>
               <a:rPr lang="en-US" b="0" i="0" dirty="0"/>
-              <a:t>The online sales application and the web services would migrate to Azure Websites </a:t>
+              <a:t>The online sales application and the web services would migrate to Azure App Service </a:t>
             </a:r>
           </a:p>
           <a:p>
@@ -5090,7 +5198,17 @@
             </a:pPr>
             <a:r>
               <a:rPr lang="en-US" b="0" i="0" dirty="0"/>
-              <a:t>SSRS would have to migrate to a Virtual Machine (unless we use the SSRS Azure alpha release)</a:t>
+              <a:t>SSRS would migrate to a VM running the SSRS Marketplace VM image or Power BI</a:t>
+            </a:r>
+          </a:p>
+          <a:p>
+            <a:pPr marL="628650" lvl="1" indent="-171450">
+              <a:buFont typeface="Arial" panose="020B0604020202020204" pitchFamily="34" charset="0"/>
+              <a:buChar char="•"/>
+            </a:pPr>
+            <a:r>
+              <a:rPr lang="en-US" b="0" i="0" dirty="0"/>
+              <a:t>The RDL migration tool may help migrate some SSRS reports to Power BI</a:t>
             </a:r>
           </a:p>
           <a:p>
@@ -5100,7 +5218,7 @@
             </a:pPr>
             <a:r>
               <a:rPr lang="en-US" b="0" i="0" dirty="0"/>
-              <a:t>The data warehouse likely can’t move to the cloud without a significant investment</a:t>
+              <a:t>The data warehouse can move to the cloud to take advantage of its scalability, security, and performance features</a:t>
             </a:r>
           </a:p>
           <a:p>
@@ -5110,7 +5228,7 @@
             </a:pPr>
             <a:r>
               <a:rPr lang="en-US" b="0" i="0" dirty="0"/>
-              <a:t>If it stays on-premises, then data movement from the new Azure OLTP database to the on-premises SQL Server 2017 Enterprise data warehouse would need to be addressed. Again, ExpressRoute might be needed.</a:t>
+              <a:t>If it stays on-premises, then data movement from the new Azure SQL OLTP database to the on-premises SQL Server 2019 Enterprise data warehouse would need to be addressed. Again, ExpressRoute might be needed.</a:t>
             </a:r>
           </a:p>
           <a:p>
@@ -5194,7 +5312,7 @@
             </a:pPr>
             <a:r>
               <a:rPr lang="en-US" b="0" i="0" dirty="0"/>
-              <a:t>Use of Entity Framework, or another ORM, in the existing applications and services will make migration easier</a:t>
+              <a:t>Use of Entity Framework Core, or another ORM, in the existing applications and services will make migration easier</a:t>
             </a:r>
           </a:p>
           <a:p>
@@ -5214,31 +5332,41 @@
             </a:pPr>
             <a:r>
               <a:rPr lang="en-US" b="0" i="0" dirty="0"/>
-              <a:t>Blockers might be if Entity Framework is using Stored Procedures in Oracle. Those will need to be tested after we run the SQL Server Migration Assistant.</a:t>
-            </a:r>
+              <a:t>Blockers might be if Entity Framework Core is using Stored Procedures in Oracle. Those will need to be tested after we run the SQL Server Migration Assistant.</a:t>
+            </a:r>
+          </a:p>
+          <a:p>
+            <a:pPr marL="171450" lvl="0" indent="-171450">
+              <a:buFont typeface="Arial" panose="020B0604020202020204" pitchFamily="34" charset="0"/>
+              <a:buChar char="•"/>
+            </a:pPr>
+            <a:r>
+              <a:rPr lang="en-US" b="0" i="0" dirty="0"/>
+              <a:t>For Java applications, Microsoft provides the Data Access Migration Toolkit VS Code extension</a:t>
+            </a:r>
+          </a:p>
+          <a:p>
+            <a:pPr marL="0" lvl="0" indent="0">
+              <a:buFont typeface="Arial" panose="020B0604020202020204" pitchFamily="34" charset="0"/>
+              <a:buNone/>
+            </a:pPr>
+            <a:endParaRPr lang="en-US" b="1" i="1" dirty="0"/>
           </a:p>
           <a:p>
             <a:pPr marL="0" indent="0">
               <a:buFont typeface="Arial" panose="020B0604020202020204" pitchFamily="34" charset="0"/>
               <a:buNone/>
             </a:pPr>
-            <a:endParaRPr lang="en-US" b="1" i="1" dirty="0"/>
+            <a:r>
+              <a:rPr lang="en-US" b="1" i="1" dirty="0"/>
+              <a:t>Do we need to rewrite all of our reports for Azure SQL Database? </a:t>
+            </a:r>
           </a:p>
           <a:p>
             <a:pPr marL="0" indent="0">
               <a:buFont typeface="Arial" panose="020B0604020202020204" pitchFamily="34" charset="0"/>
               <a:buNone/>
             </a:pPr>
-            <a:r>
-              <a:rPr lang="en-US" b="1" i="1" dirty="0"/>
-              <a:t>Do we need to rewrite all of our reports for SQL Server? </a:t>
-            </a:r>
-          </a:p>
-          <a:p>
-            <a:pPr marL="0" indent="0">
-              <a:buFont typeface="Arial" panose="020B0604020202020204" pitchFamily="34" charset="0"/>
-              <a:buNone/>
-            </a:pPr>
             <a:endParaRPr lang="en-US" b="0" i="0" dirty="0"/>
           </a:p>
           <a:p>
@@ -5248,17 +5376,7 @@
             </a:pPr>
             <a:r>
               <a:rPr lang="en-US" b="0" i="0" dirty="0"/>
-              <a:t>SSRS reports should migrate over with just a change to the connectionString</a:t>
-            </a:r>
-          </a:p>
-          <a:p>
-            <a:pPr marL="628650" lvl="1" indent="-171450">
-              <a:buFont typeface="Arial" panose="020B0604020202020204" pitchFamily="34" charset="0"/>
-              <a:buChar char="•"/>
-            </a:pPr>
-            <a:r>
-              <a:rPr lang="en-US" b="0" i="0" dirty="0"/>
-              <a:t>The data sets might need SQL refreshed for T-SQL instead of PL/SQL</a:t>
+              <a:t>Microsoft provides SQL Server 2019 Reporting Services and SQL Server 2016 Reporting Services VM images</a:t>
             </a:r>
           </a:p>
           <a:p>
@@ -5463,7 +5581,31 @@
                 <a:ea typeface="+mn-ea"/>
                 <a:cs typeface="+mn-cs"/>
               </a:rPr>
-              <a:t>JSON data can be stored in SQL Server as a varchar field</a:t>
+              <a:t>JSON data can be stored in SQL Server as a </a:t>
+            </a:r>
+            <a:r>
+              <a:rPr lang="en-US" sz="1200" kern="1200" dirty="0" err="1">
+                <a:solidFill>
+                  <a:schemeClr val="tx1"/>
+                </a:solidFill>
+                <a:effectLst/>
+                <a:latin typeface="+mn-lt"/>
+                <a:ea typeface="+mn-ea"/>
+                <a:cs typeface="+mn-cs"/>
+              </a:rPr>
+              <a:t>nvarchar</a:t>
+            </a:r>
+            <a:r>
+              <a:rPr lang="en-US" sz="1200" kern="1200" dirty="0">
+                <a:solidFill>
+                  <a:schemeClr val="tx1"/>
+                </a:solidFill>
+                <a:effectLst/>
+                <a:latin typeface="+mn-lt"/>
+                <a:ea typeface="+mn-ea"/>
+                <a:cs typeface="+mn-cs"/>
+              </a:rPr>
+              <a:t> field</a:t>
             </a:r>
           </a:p>
           <a:p>
@@ -5610,27 +5752,22 @@
             </a:r>
           </a:p>
           <a:p>
-            <a:pPr marL="0" indent="0">
-              <a:buFont typeface="Arial" panose="020B0604020202020204" pitchFamily="34" charset="0"/>
-              <a:buNone/>
-            </a:pPr>
-            <a:endParaRPr lang="en-US" b="1" i="1" dirty="0"/>
-          </a:p>
-          <a:p>
-            <a:pPr marL="0" indent="0">
-              <a:buFont typeface="Arial" panose="020B0604020202020204" pitchFamily="34" charset="0"/>
-              <a:buNone/>
-            </a:pPr>
-            <a:r>
-              <a:rPr lang="en-US" b="1" i="1" dirty="0"/>
-              <a:t>If we take advantage of new features, will our license costs keep ratcheting up and up?  Will we have a dependable way of budgeting for this project?</a:t>
-            </a:r>
-            <a:endParaRPr lang="en-US" b="0" i="0" dirty="0"/>
-          </a:p>
-          <a:p>
-            <a:pPr marL="171450" indent="-171450">
+            <a:pPr marL="171450" marR="0" lvl="0" indent="-171450" algn="l" defTabSz="914400" rtl="0" eaLnBrk="1" fontAlgn="auto" latinLnBrk="0" hangingPunct="1">
+              <a:lnSpc>
+                <a:spcPct val="100000"/>
+              </a:lnSpc>
+              <a:spcBef>
+                <a:spcPts val="0"/>
+              </a:spcBef>
+              <a:spcAft>
+                <a:spcPts val="0"/>
+              </a:spcAft>
+              <a:buClrTx/>
+              <a:buSzTx/>
               <a:buFont typeface="Arial" panose="020B0604020202020204" pitchFamily="34" charset="0"/>
               <a:buChar char="•"/>
+              <a:tabLst/>
+              <a:defRPr/>
             </a:pPr>
             <a:r>
               <a:rPr lang="en-US" sz="1200" kern="1200" dirty="0">
@@ -5642,11 +5779,29 @@
                 <a:ea typeface="+mn-ea"/>
                 <a:cs typeface="+mn-cs"/>
               </a:rPr>
-              <a:t>Microsoft offers license assistance programs for current Oracle users</a:t>
-            </a:r>
-          </a:p>
-          <a:p>
-            <a:pPr marL="628650" lvl="1" indent="-171450">
+              <a:t>Since Azure SQL Database is used in this solution, it can scale quickly and be monitored through Log Analytics Workspaces</a:t>
+            </a:r>
+          </a:p>
+          <a:p>
+            <a:pPr marL="0" indent="0">
+              <a:buFont typeface="Arial" panose="020B0604020202020204" pitchFamily="34" charset="0"/>
+              <a:buNone/>
+            </a:pPr>
+            <a:endParaRPr lang="en-US" b="1" i="1" dirty="0"/>
+          </a:p>
+          <a:p>
+            <a:pPr marL="0" indent="0">
+              <a:buFont typeface="Arial" panose="020B0604020202020204" pitchFamily="34" charset="0"/>
+              <a:buNone/>
+            </a:pPr>
+            <a:r>
+              <a:rPr lang="en-US" b="1" i="1" dirty="0"/>
+              <a:t>If we take advantage of new features, will our license costs keep ratcheting up and up?  Will we have a dependable way of budgeting for this project?</a:t>
+            </a:r>
+            <a:endParaRPr lang="en-US" b="0" i="0" dirty="0"/>
+          </a:p>
+          <a:p>
+            <a:pPr marL="171450" indent="-171450">
               <a:buFont typeface="Arial" panose="020B0604020202020204" pitchFamily="34" charset="0"/>
               <a:buChar char="•"/>
             </a:pPr>
@@ -5660,7 +5815,7 @@
                 <a:ea typeface="+mn-ea"/>
                 <a:cs typeface="+mn-cs"/>
               </a:rPr>
-              <a:t>This program can offer free licenses to current Oracle customers</a:t>
+              <a:t>Microsoft offers license assistance programs for current Oracle users migrating to on-premises SQL server</a:t>
             </a:r>
           </a:p>
           <a:p>
@@ -5678,11 +5833,11 @@
                 <a:ea typeface="+mn-ea"/>
                 <a:cs typeface="+mn-cs"/>
               </a:rPr>
-              <a:t>They can also subsidize the cost of the migration process</a:t>
-            </a:r>
-          </a:p>
-          <a:p>
-            <a:pPr marL="171450" lvl="0" indent="-171450">
+              <a:t>This program can offer free licenses to current Oracle customers</a:t>
+            </a:r>
+          </a:p>
+          <a:p>
+            <a:pPr marL="628650" lvl="1" indent="-171450">
               <a:buFont typeface="Arial" panose="020B0604020202020204" pitchFamily="34" charset="0"/>
               <a:buChar char="•"/>
             </a:pPr>
@@ -5696,8 +5851,128 @@
                 <a:ea typeface="+mn-ea"/>
                 <a:cs typeface="+mn-cs"/>
               </a:rPr>
+              <a:t>They can also subsidize the cost of the migration process</a:t>
+            </a:r>
+          </a:p>
+          <a:p>
+            <a:pPr marL="171450" lvl="0" indent="-171450">
+              <a:buFont typeface="Arial" panose="020B0604020202020204" pitchFamily="34" charset="0"/>
+              <a:buChar char="•"/>
+            </a:pPr>
+            <a:r>
+              <a:rPr lang="en-US" sz="1200" kern="1200" dirty="0">
+                <a:solidFill>
+                  <a:schemeClr val="tx1"/>
+                </a:solidFill>
+                <a:effectLst/>
+                <a:latin typeface="+mn-lt"/>
+                <a:ea typeface="+mn-ea"/>
+                <a:cs typeface="+mn-cs"/>
+              </a:rPr>
               <a:t>SQL Server licensing also includes all available features in the Enterprise Edition with no additional cost for each feature implemented</a:t>
             </a:r>
+          </a:p>
+          <a:p>
+            <a:pPr marL="171450" lvl="0" indent="-171450">
+              <a:buFont typeface="Arial" panose="020B0604020202020204" pitchFamily="34" charset="0"/>
+              <a:buChar char="•"/>
+            </a:pPr>
+            <a:r>
+              <a:rPr lang="en-US" sz="1200" b="0" i="0" kern="1200" dirty="0">
+                <a:solidFill>
+                  <a:schemeClr val="tx1"/>
+                </a:solidFill>
+                <a:effectLst/>
+                <a:latin typeface="+mn-lt"/>
+                <a:ea typeface="+mn-ea"/>
+                <a:cs typeface="+mn-cs"/>
+              </a:rPr>
+              <a:t>Multiple cost-saving measures available for Azure SQL Database users</a:t>
+            </a:r>
+          </a:p>
+          <a:p>
+            <a:pPr marL="628650" lvl="1" indent="-171450">
+              <a:buFont typeface="Arial" panose="020B0604020202020204" pitchFamily="34" charset="0"/>
+              <a:buChar char="•"/>
+            </a:pPr>
+            <a:r>
+              <a:rPr lang="en-US" b="0" i="0" kern="1200" dirty="0">
+                <a:solidFill>
+                  <a:schemeClr val="tx1"/>
+                </a:solidFill>
+                <a:effectLst/>
+                <a:latin typeface="+mn-lt"/>
+                <a:ea typeface="+mn-ea"/>
+                <a:cs typeface="+mn-cs"/>
+              </a:rPr>
+              <a:t>Hybrid benefit (for on-premises SQL Server to Azure SQL Database migrations)</a:t>
+            </a:r>
+          </a:p>
+          <a:p>
+            <a:pPr marL="628650" lvl="1" indent="-171450">
+              <a:buFont typeface="Arial" panose="020B0604020202020204" pitchFamily="34" charset="0"/>
+              <a:buChar char="•"/>
+            </a:pPr>
+            <a:r>
+              <a:rPr lang="en-US" b="0" i="0" kern="1200" dirty="0">
+                <a:solidFill>
+                  <a:schemeClr val="tx1"/>
+                </a:solidFill>
+                <a:effectLst/>
+                <a:latin typeface="+mn-lt"/>
+                <a:ea typeface="+mn-ea"/>
+                <a:cs typeface="+mn-cs"/>
+              </a:rPr>
+              <a:t>Reserved capacity </a:t>
+            </a:r>
+          </a:p>
+          <a:p>
+            <a:pPr marL="628650" lvl="1" indent="-171450">
+              <a:buFont typeface="Arial" panose="020B0604020202020204" pitchFamily="34" charset="0"/>
+              <a:buChar char="•"/>
+            </a:pPr>
+            <a:r>
+              <a:rPr lang="en-US" b="0" i="0" kern="1200" dirty="0">
+                <a:solidFill>
+                  <a:schemeClr val="tx1"/>
+                </a:solidFill>
+                <a:effectLst/>
+                <a:latin typeface="+mn-lt"/>
+                <a:ea typeface="+mn-ea"/>
+                <a:cs typeface="+mn-cs"/>
+              </a:rPr>
+              <a:t>DTU and </a:t>
+            </a:r>
+            <a:r>
+              <a:rPr lang="en-US" b="0" i="0" kern="1200" dirty="0" err="1">
+                <a:solidFill>
+                  <a:schemeClr val="tx1"/>
+                </a:solidFill>
+                <a:effectLst/>
+                <a:latin typeface="+mn-lt"/>
+                <a:ea typeface="+mn-ea"/>
+                <a:cs typeface="+mn-cs"/>
+              </a:rPr>
+              <a:t>vCore</a:t>
+            </a:r>
+            <a:r>
+              <a:rPr lang="en-US" b="0" i="0" kern="1200" dirty="0">
+                <a:solidFill>
+                  <a:schemeClr val="tx1"/>
+                </a:solidFill>
+                <a:effectLst/>
+                <a:latin typeface="+mn-lt"/>
+                <a:ea typeface="+mn-ea"/>
+                <a:cs typeface="+mn-cs"/>
+              </a:rPr>
+              <a:t> pricing models to simplify cost management and tier/server specification</a:t>
+            </a:r>
+          </a:p>
+          <a:p>
+            <a:pPr marL="628650" lvl="1" indent="-171450">
+              <a:buFont typeface="Arial" panose="020B0604020202020204" pitchFamily="34" charset="0"/>
+              <a:buChar char="•"/>
+            </a:pPr>
             <a:endParaRPr lang="en-US" b="0" i="0" dirty="0"/>
           </a:p>
           <a:p>
@@ -5745,7 +6020,7 @@
             </a:pPr>
             <a:r>
               <a:rPr lang="en-US" b="0" i="0" dirty="0"/>
-              <a:t>The customer might implement Oracle RAC, but AlwaysOn Availability Groups are easier to implement, cheaper, and have lower hardware requirements</a:t>
+              <a:t>The customer might implement Oracle RAC, but AlwaysOn Availability Groups for on-premises and hybrid deployments are easier to implement, cheaper, and have lower hardware requirements</a:t>
             </a:r>
             <a:endParaRPr lang="en-US" b="1" i="1" dirty="0"/>
           </a:p>
@@ -5880,7 +6155,7 @@
             </a:pPr>
             <a:r>
               <a:rPr lang="en-US" b="1" i="1" dirty="0"/>
-              <a:t>What will stop us from upgrading our data warehouse to SQL Server 2017 Enterprise?</a:t>
+              <a:t>What will stop us from upgrading our data warehouse to Azure SQL Database or SQL Server 2019 Enterprise?</a:t>
             </a:r>
           </a:p>
           <a:p>
@@ -5899,6 +6174,78 @@
                 <a:cs typeface="+mn-cs"/>
               </a:rPr>
               <a:t>Thought needs to be given to upgrading the database storage engine, SQL Server Analysis Services, SQL Server Reporting Services, and SQL Server Integration Services. SSRS and SSIS have been completely redone since SQL Server 2008, with new interfaces and new engines. SSAS multidimensional also has a new engine with the tabular engine. Thought needs to be given if it will be implemented.</a:t>
+            </a:r>
+          </a:p>
+          <a:p>
+            <a:pPr marL="171450" indent="-171450">
+              <a:buFont typeface="Arial" panose="020B0604020202020204" pitchFamily="34" charset="0"/>
+              <a:buChar char="•"/>
+            </a:pPr>
+            <a:r>
+              <a:rPr lang="en-US" sz="1200" kern="1200" dirty="0">
+                <a:solidFill>
+                  <a:schemeClr val="tx1"/>
+                </a:solidFill>
+                <a:effectLst/>
+                <a:latin typeface="+mn-lt"/>
+                <a:ea typeface="+mn-ea"/>
+                <a:cs typeface="+mn-cs"/>
+              </a:rPr>
+              <a:t>Azure supports hosting WWI’s BI stack in the cloud</a:t>
+            </a:r>
+          </a:p>
+          <a:p>
+            <a:pPr marL="628650" lvl="1" indent="-171450">
+              <a:buFont typeface="Arial" panose="020B0604020202020204" pitchFamily="34" charset="0"/>
+              <a:buChar char="•"/>
+            </a:pPr>
+            <a:r>
+              <a:rPr lang="en-US" sz="1200" kern="1200" dirty="0">
+                <a:solidFill>
+                  <a:schemeClr val="tx1"/>
+                </a:solidFill>
+                <a:effectLst/>
+                <a:latin typeface="+mn-lt"/>
+                <a:ea typeface="+mn-ea"/>
+                <a:cs typeface="+mn-cs"/>
+              </a:rPr>
+              <a:t>SSRS on a VM (IaaS) and Power BI (PaaS)</a:t>
+            </a:r>
+          </a:p>
+          <a:p>
+            <a:pPr marL="628650" lvl="1" indent="-171450">
+              <a:buFont typeface="Arial" panose="020B0604020202020204" pitchFamily="34" charset="0"/>
+              <a:buChar char="•"/>
+            </a:pPr>
+            <a:r>
+              <a:rPr lang="en-US" sz="1200" kern="1200" dirty="0">
+                <a:solidFill>
+                  <a:schemeClr val="tx1"/>
+                </a:solidFill>
+                <a:effectLst/>
+                <a:latin typeface="+mn-lt"/>
+                <a:ea typeface="+mn-ea"/>
+                <a:cs typeface="+mn-cs"/>
+              </a:rPr>
+              <a:t>SSAS on a VM (IaaS) and Azure Analysis Services (PaaS)</a:t>
+            </a:r>
+          </a:p>
+          <a:p>
+            <a:pPr marL="628650" lvl="1" indent="-171450">
+              <a:buFont typeface="Arial" panose="020B0604020202020204" pitchFamily="34" charset="0"/>
+              <a:buChar char="•"/>
+            </a:pPr>
+            <a:r>
+              <a:rPr lang="en-US" sz="1200" kern="1200" dirty="0">
+                <a:solidFill>
+                  <a:schemeClr val="tx1"/>
+                </a:solidFill>
+                <a:effectLst/>
+                <a:latin typeface="+mn-lt"/>
+                <a:ea typeface="+mn-ea"/>
+                <a:cs typeface="+mn-cs"/>
+              </a:rPr>
+              <a:t>There are limitations to these technologies (e.g., Azure Analysis Services does not support multidimensional cubes)</a:t>
             </a:r>
           </a:p>
           <a:p>
@@ -5946,13 +6293,57 @@
                 <a:ea typeface="+mn-ea"/>
                 <a:cs typeface="+mn-cs"/>
               </a:rPr>
-              <a:t>If we don’t change the server name, our job is much easier. We might not even need to modify the connectionStrings. We can keep the server name the same by either doing an in-place upgrade or by migrating to a new server and then changing the name of the new server to a new name. If we migrate to a new server, we will need to migrate security logins and permissions, along with the database. We’ll also need to script the SQL Server Agent jobs over to the new server.</a:t>
-            </a:r>
-          </a:p>
-          <a:p>
-            <a:pPr marL="171450" indent="-171450">
+              <a:t>If we don’t change the server name, our job is much easier. We might not even need to modify the connectionStrings. We can keep the server name the same by either doing an in-place upgrade or by migrating to a new server and then changing the name of the new server to a new name. If we migrate to a new server, we will need to migrate security logins and permissions, along with the database</a:t>
+            </a:r>
+          </a:p>
+          <a:p>
+            <a:pPr marL="171450" marR="0" lvl="0" indent="-171450" algn="l" defTabSz="914400" rtl="0" eaLnBrk="1" fontAlgn="auto" latinLnBrk="0" hangingPunct="1">
+              <a:lnSpc>
+                <a:spcPct val="100000"/>
+              </a:lnSpc>
+              <a:spcBef>
+                <a:spcPts val="0"/>
+              </a:spcBef>
+              <a:spcAft>
+                <a:spcPts val="0"/>
+              </a:spcAft>
+              <a:buClrTx/>
+              <a:buSzTx/>
               <a:buFont typeface="Arial" panose="020B0604020202020204" pitchFamily="34" charset="0"/>
               <a:buChar char="•"/>
+              <a:tabLst/>
+              <a:defRPr/>
+            </a:pPr>
+            <a:r>
+              <a:rPr lang="en-US" sz="1200" b="0" i="0" kern="1200" dirty="0">
+                <a:solidFill>
+                  <a:schemeClr val="tx1"/>
+                </a:solidFill>
+                <a:effectLst/>
+                <a:latin typeface="+mn-lt"/>
+                <a:ea typeface="+mn-ea"/>
+                <a:cs typeface="+mn-cs"/>
+              </a:rPr>
+              <a:t>SQL Server Agent jobs are only supported with Azure SQL Managed Instance</a:t>
+            </a:r>
+          </a:p>
+          <a:p>
+            <a:pPr marL="0" marR="0" lvl="0" indent="0" algn="l" defTabSz="914400" rtl="0" eaLnBrk="1" fontAlgn="auto" latinLnBrk="0" hangingPunct="1">
+              <a:lnSpc>
+                <a:spcPct val="100000"/>
+              </a:lnSpc>
+              <a:spcBef>
+                <a:spcPts val="0"/>
+              </a:spcBef>
+              <a:spcAft>
+                <a:spcPts val="0"/>
+              </a:spcAft>
+              <a:buClrTx/>
+              <a:buSzTx/>
+              <a:buFont typeface="Arial" panose="020B0604020202020204" pitchFamily="34" charset="0"/>
+              <a:buNone/>
+              <a:tabLst/>
+              <a:defRPr/>
             </a:pPr>
             <a:endParaRPr lang="en-US" b="0" i="0" dirty="0"/>
           </a:p>
@@ -5971,6 +6362,110 @@
               <a:buFont typeface="Arial" panose="020B0604020202020204" pitchFamily="34" charset="0"/>
               <a:buChar char="•"/>
             </a:pPr>
+            <a:r>
+              <a:rPr lang="en-US" b="1" i="0" dirty="0"/>
+              <a:t>SSIS:</a:t>
+            </a:r>
+          </a:p>
+          <a:p>
+            <a:pPr marL="628650" lvl="1" indent="-171450">
+              <a:buFont typeface="Arial" panose="020B0604020202020204" pitchFamily="34" charset="0"/>
+              <a:buChar char="•"/>
+            </a:pPr>
+            <a:r>
+              <a:rPr lang="en-US" b="0" i="0" dirty="0"/>
+              <a:t>Local</a:t>
+            </a:r>
+          </a:p>
+          <a:p>
+            <a:pPr marL="628650" lvl="1" indent="-171450">
+              <a:buFont typeface="Arial" panose="020B0604020202020204" pitchFamily="34" charset="0"/>
+              <a:buChar char="•"/>
+            </a:pPr>
+            <a:r>
+              <a:rPr lang="en-US" b="0" i="0" dirty="0"/>
+              <a:t>Natively in Azure SQL Managed Instance (through Agent jobs)</a:t>
+            </a:r>
+          </a:p>
+          <a:p>
+            <a:pPr marL="628650" lvl="1" indent="-171450">
+              <a:buFont typeface="Arial" panose="020B0604020202020204" pitchFamily="34" charset="0"/>
+              <a:buChar char="•"/>
+            </a:pPr>
+            <a:r>
+              <a:rPr lang="en-US" b="0" i="0" dirty="0"/>
+              <a:t>Azure Data Factory through the SSIS Integration runtime</a:t>
+            </a:r>
+          </a:p>
+          <a:p>
+            <a:pPr marL="171450" indent="-171450">
+              <a:buFont typeface="Arial" panose="020B0604020202020204" pitchFamily="34" charset="0"/>
+              <a:buChar char="•"/>
+            </a:pPr>
+            <a:r>
+              <a:rPr lang="en-US" b="1" i="0" dirty="0"/>
+              <a:t>SSRS:</a:t>
+            </a:r>
+          </a:p>
+          <a:p>
+            <a:pPr marL="628650" lvl="1" indent="-171450">
+              <a:buFont typeface="Arial" panose="020B0604020202020204" pitchFamily="34" charset="0"/>
+              <a:buChar char="•"/>
+            </a:pPr>
+            <a:r>
+              <a:rPr lang="en-US" b="0" i="0" dirty="0"/>
+              <a:t>Power BI migration path</a:t>
+            </a:r>
+          </a:p>
+          <a:p>
+            <a:pPr marL="628650" lvl="1" indent="-171450">
+              <a:buFont typeface="Arial" panose="020B0604020202020204" pitchFamily="34" charset="0"/>
+              <a:buChar char="•"/>
+            </a:pPr>
+            <a:r>
+              <a:rPr lang="en-US" b="0" i="0" dirty="0"/>
+              <a:t>SSRS in an Azure VM</a:t>
+            </a:r>
+          </a:p>
+          <a:p>
+            <a:pPr marL="171450" indent="-171450">
+              <a:buFont typeface="Arial" panose="020B0604020202020204" pitchFamily="34" charset="0"/>
+              <a:buChar char="•"/>
+            </a:pPr>
+            <a:r>
+              <a:rPr lang="en-US" b="1" i="0" dirty="0"/>
+              <a:t>SSAS:</a:t>
+            </a:r>
+          </a:p>
+          <a:p>
+            <a:pPr marL="628650" lvl="1" indent="-171450">
+              <a:buFont typeface="Arial" panose="020B0604020202020204" pitchFamily="34" charset="0"/>
+              <a:buChar char="•"/>
+            </a:pPr>
+            <a:r>
+              <a:rPr lang="en-US" b="0" i="0" dirty="0"/>
+              <a:t>Azure Analysis Services</a:t>
+            </a:r>
+          </a:p>
+          <a:p>
+            <a:pPr marL="628650" lvl="1" indent="-171450">
+              <a:buFont typeface="Arial" panose="020B0604020202020204" pitchFamily="34" charset="0"/>
+              <a:buChar char="•"/>
+            </a:pPr>
+            <a:r>
+              <a:rPr lang="en-US" b="0" i="0" dirty="0"/>
+              <a:t>SSAS in an Azure VM</a:t>
+            </a:r>
+          </a:p>
+          <a:p>
+            <a:pPr marL="171450" indent="-171450">
+              <a:buFont typeface="Arial" panose="020B0604020202020204" pitchFamily="34" charset="0"/>
+              <a:buChar char="•"/>
+            </a:pPr>
+            <a:r>
+              <a:rPr lang="en-US" b="1" i="0" dirty="0"/>
+              <a:t>Keeping SSIS, SSRS, SSAS on-premises: </a:t>
+            </a:r>
             <a:r>
               <a:rPr lang="en-US" b="0" i="0" dirty="0"/>
               <a:t>Once the server is upgraded, we should redeploy the SSIS, SSAS, and SSRS projects after changing the connectionStrings. If we used project connectionStrings, this will be much easier. All external connections should be tested thoroughly.</a:t>
@@ -6019,9 +6514,27 @@
                 <a:ea typeface="+mn-ea"/>
                 <a:cs typeface="+mn-cs"/>
               </a:rPr>
-              <a:t>If we use Database Migration Assistant, security and the SQL Server Agent Jobs will migrate over to the new server.</a:t>
-            </a:r>
-            <a:endParaRPr lang="en-US" b="1" i="1" dirty="0"/>
+              <a:t>If we use Database Migration Assistant, security and the SQL Server Agent Jobs will migrate over to the new server</a:t>
+            </a:r>
+          </a:p>
+          <a:p>
+            <a:pPr marL="171450" indent="-171450">
+              <a:buFont typeface="Arial" panose="020B0604020202020204" pitchFamily="34" charset="0"/>
+              <a:buChar char="•"/>
+            </a:pPr>
+            <a:r>
+              <a:rPr lang="en-US" sz="1200" b="0" i="0" kern="1200" dirty="0">
+                <a:solidFill>
+                  <a:schemeClr val="tx1"/>
+                </a:solidFill>
+                <a:effectLst/>
+                <a:latin typeface="+mn-lt"/>
+                <a:ea typeface="+mn-ea"/>
+                <a:cs typeface="+mn-cs"/>
+              </a:rPr>
+              <a:t>Agent jobs are supported in Azure SQL Managed Instance</a:t>
+            </a:r>
+            <a:endParaRPr lang="en-US" b="0" i="0" dirty="0"/>
           </a:p>
         </p:txBody>
       </p:sp>
@@ -6252,7 +6765,7 @@
                   <a:prstClr val="black"/>
                 </a:solidFill>
               </a:rPr>
-              <a:t>8/30/2021 9:36 PM</a:t>
+              <a:t>9/1/2021 9:57 PM</a:t>
             </a:fld>
             <a:endParaRPr lang="en-US" dirty="0">
               <a:solidFill>
@@ -23142,7 +23655,7 @@
           </p:cNvPicPr>
           <p:nvPr/>
         </p:nvPicPr>
-        <p:blipFill>
+        <p:blipFill rotWithShape="1">
           <a:blip r:embed="rId3">
             <a:extLst>
               <a:ext uri="{28A0092B-C50C-407E-A947-70E740481C1C}">
@@ -23150,20 +23663,155 @@
               </a:ext>
             </a:extLst>
           </a:blip>
-          <a:stretch>
-            <a:fillRect/>
-          </a:stretch>
+          <a:srcRect b="36451"/>
+          <a:stretch/>
         </p:blipFill>
         <p:spPr>
           <a:xfrm>
-            <a:off x="862130" y="1675129"/>
-            <a:ext cx="10467739" cy="4352921"/>
+            <a:off x="862130" y="1675130"/>
+            <a:ext cx="10467739" cy="2766241"/>
           </a:xfrm>
           <a:prstGeom prst="rect">
             <a:avLst/>
           </a:prstGeom>
         </p:spPr>
       </p:pic>
+      <p:sp>
+        <p:nvSpPr>
+          <p:cNvPr id="4" name="TextBox 3">
+            <a:extLst>
+              <a:ext uri="{FF2B5EF4-FFF2-40B4-BE49-F238E27FC236}">
+                <a16:creationId xmlns:a16="http://schemas.microsoft.com/office/drawing/2014/main" id="{1F9F5092-8920-4EA8-B6A7-F5CAEA7F9BCB}"/>
+              </a:ext>
+            </a:extLst>
+          </p:cNvPr>
+          <p:cNvSpPr txBox="1"/>
+          <p:nvPr/>
+        </p:nvSpPr>
+        <p:spPr>
+          <a:xfrm>
+            <a:off x="975872" y="4299217"/>
+            <a:ext cx="3042877" cy="1369606"/>
+          </a:xfrm>
+          <a:prstGeom prst="rect">
+            <a:avLst/>
+          </a:prstGeom>
+          <a:noFill/>
+        </p:spPr>
+        <p:txBody>
+          <a:bodyPr wrap="square" lIns="182880" tIns="146304" rIns="182880" bIns="146304" rtlCol="0">
+            <a:spAutoFit/>
+          </a:bodyPr>
+          <a:lstStyle/>
+          <a:p>
+            <a:pPr algn="ctr">
+              <a:lnSpc>
+                <a:spcPct val="90000"/>
+              </a:lnSpc>
+              <a:spcAft>
+                <a:spcPts val="600"/>
+              </a:spcAft>
+            </a:pPr>
+            <a:r>
+              <a:rPr lang="en-US" sz="2400" dirty="0">
+                <a:gradFill>
+                  <a:gsLst>
+                    <a:gs pos="2917">
+                      <a:schemeClr val="tx1"/>
+                    </a:gs>
+                    <a:gs pos="30000">
+                      <a:schemeClr val="tx1"/>
+                    </a:gs>
+                  </a:gsLst>
+                  <a:lin ang="5400000" scaled="0"/>
+                </a:gradFill>
+              </a:rPr>
+              <a:t>On-premises</a:t>
+            </a:r>
+          </a:p>
+          <a:p>
+            <a:pPr algn="ctr">
+              <a:lnSpc>
+                <a:spcPct val="90000"/>
+              </a:lnSpc>
+              <a:spcAft>
+                <a:spcPts val="600"/>
+              </a:spcAft>
+            </a:pPr>
+            <a:r>
+              <a:rPr lang="en-US" sz="2400" dirty="0">
+                <a:gradFill>
+                  <a:gsLst>
+                    <a:gs pos="2917">
+                      <a:schemeClr val="tx1"/>
+                    </a:gs>
+                    <a:gs pos="30000">
+                      <a:schemeClr val="tx1"/>
+                    </a:gs>
+                  </a:gsLst>
+                  <a:lin ang="5400000" scaled="0"/>
+                </a:gradFill>
+              </a:rPr>
+              <a:t>SQL Server 2019 Enterprise Edition</a:t>
+            </a:r>
+          </a:p>
+        </p:txBody>
+      </p:sp>
+      <p:sp>
+        <p:nvSpPr>
+          <p:cNvPr id="5" name="TextBox 4">
+            <a:extLst>
+              <a:ext uri="{FF2B5EF4-FFF2-40B4-BE49-F238E27FC236}">
+                <a16:creationId xmlns:a16="http://schemas.microsoft.com/office/drawing/2014/main" id="{590E11A2-2F0C-46B6-82E1-B6E4B7683D3A}"/>
+              </a:ext>
+            </a:extLst>
+          </p:cNvPr>
+          <p:cNvSpPr txBox="1"/>
+          <p:nvPr/>
+        </p:nvSpPr>
+        <p:spPr>
+          <a:xfrm>
+            <a:off x="7668666" y="4441371"/>
+            <a:ext cx="4031556" cy="627864"/>
+          </a:xfrm>
+          <a:prstGeom prst="rect">
+            <a:avLst/>
+          </a:prstGeom>
+          <a:noFill/>
+        </p:spPr>
+        <p:txBody>
+          <a:bodyPr wrap="square" lIns="182880" tIns="146304" rIns="182880" bIns="146304" rtlCol="0">
+            <a:spAutoFit/>
+          </a:bodyPr>
+          <a:lstStyle/>
+          <a:p>
+            <a:pPr algn="ctr">
+              <a:lnSpc>
+                <a:spcPct val="90000"/>
+              </a:lnSpc>
+              <a:spcAft>
+                <a:spcPts val="600"/>
+              </a:spcAft>
+            </a:pPr>
+            <a:r>
+              <a:rPr lang="en-US" sz="2400" dirty="0">
+                <a:gradFill>
+                  <a:gsLst>
+                    <a:gs pos="2917">
+                      <a:schemeClr val="tx1"/>
+                    </a:gs>
+                    <a:gs pos="30000">
+                      <a:schemeClr val="tx1"/>
+                    </a:gs>
+                  </a:gsLst>
+                  <a:lin ang="5400000" scaled="0"/>
+                </a:gradFill>
+              </a:rPr>
+              <a:t>Azure SQL Stretch Database</a:t>
+            </a:r>
+          </a:p>
+        </p:txBody>
+      </p:sp>
     </p:spTree>
     <p:extLst>
       <p:ext uri="{BB962C8B-B14F-4D97-AF65-F5344CB8AC3E}">
@@ -23478,7 +24126,7 @@
         </p:spPr>
         <p:txBody>
           <a:bodyPr>
-            <a:normAutofit lnSpcReduction="10000"/>
+            <a:normAutofit/>
           </a:bodyPr>
           <a:lstStyle/>
           <a:p>
@@ -23505,7 +24153,7 @@
                   <a:schemeClr val="tx1"/>
                 </a:solidFill>
               </a:rPr>
-              <a:t>Can we see POCs for both on-premises and Azure SQL migrations?</a:t>
+              <a:t>Can we see two POCs?</a:t>
             </a:r>
           </a:p>
           <a:p>
@@ -23812,7 +24460,7 @@
                   <a:schemeClr val="tx1"/>
                 </a:solidFill>
               </a:rPr>
-              <a:t>How can we control costs using SQL Server?</a:t>
+              <a:t>How can we control costs?</a:t>
             </a:r>
           </a:p>
           <a:p>
@@ -25796,7 +26444,7 @@
         </p:spPr>
         <p:txBody>
           <a:bodyPr>
-            <a:normAutofit fontScale="92500" lnSpcReduction="10000"/>
+            <a:normAutofit lnSpcReduction="10000"/>
           </a:bodyPr>
           <a:lstStyle/>
           <a:p>
@@ -25823,7 +26471,7 @@
                   <a:schemeClr val="tx1"/>
                 </a:solidFill>
               </a:rPr>
-              <a:t>Can we see POCs for both on-premises and Azure SQL migrations?</a:t>
+              <a:t>Can we see two POCs?</a:t>
             </a:r>
           </a:p>
           <a:p>

--- a/Whiteboard design session/WDS trainer presentation - Migrating Oracle to Azure SQL.pptx
+++ b/Whiteboard design session/WDS trainer presentation - Migrating Oracle to Azure SQL.pptx
@@ -227,7 +227,7 @@
           <a:p>
             <a:fld id="{52A13B17-C506-4D51-BB37-16B365906619}" type="datetimeFigureOut">
               <a:rPr lang="en-US" smtClean="0"/>
-              <a:t>9/1/2021</a:t>
+              <a:t>9/22/2021</a:t>
             </a:fld>
             <a:endParaRPr lang="en-US" dirty="0"/>
           </a:p>
@@ -6765,7 +6765,7 @@
                   <a:prstClr val="black"/>
                 </a:solidFill>
               </a:rPr>
-              <a:t>9/1/2021 9:57 PM</a:t>
+              <a:t>9/22/2021 5:03 PM</a:t>
             </a:fld>
             <a:endParaRPr lang="en-US" dirty="0">
               <a:solidFill>
@@ -22170,7 +22170,7 @@
       </p:sp>
       <p:pic>
         <p:nvPicPr>
-          <p:cNvPr id="5" name="Picture 4">
+          <p:cNvPr id="5" name="Picture 4" descr="This image demonstrates the Preferred solution architecture for the lab, addressing the OLTP database (Azure SQL Database) and the Data Warehouse (also Azure SQL Database); the replacements for SSIS, SSAS, and SSRS; and connectivity for on-premises resources to access Azure.">
             <a:extLst>
               <a:ext uri="{FF2B5EF4-FFF2-40B4-BE49-F238E27FC236}">
                 <a16:creationId xmlns:a16="http://schemas.microsoft.com/office/drawing/2014/main" id="{1B124C83-5D73-47BB-A0E3-A18C60C51FA9}"/>
@@ -22469,7 +22469,7 @@
       </p:sp>
       <p:pic>
         <p:nvPicPr>
-          <p:cNvPr id="5" name="Picture 4" descr="Graphical user interface, text&#10;&#10;Description automatically generated">
+          <p:cNvPr id="5" name="Picture 4" descr="This image shows the preferred method of using the SQL Server Migration Assistant to migrate from Oracle to Azure SQL Database.">
             <a:extLst>
               <a:ext uri="{FF2B5EF4-FFF2-40B4-BE49-F238E27FC236}">
                 <a16:creationId xmlns:a16="http://schemas.microsoft.com/office/drawing/2014/main" id="{156C5640-82D8-419A-9E6C-D6E60A4E2B40}"/>
